--- a/slides.pptx
+++ b/slides.pptx
@@ -7652,6 +7652,12 @@
           </a:lstStyle>
           <a:p>
             <a:r>
+              <a:rPr lang="pt-BR" sz="4000"/>
+              <a:t>R/RStudio</a:t>
+            </a:r>
+          </a:p>
+          <a:p>
+            <a:r>
               <a:rPr lang="pt-BR" sz="4000" dirty="0"/>
               <a:t>Conhecimento básico de R (sintaxe, pacotes, etc)</a:t>
             </a:r>
